--- a/docs/Como uma aplicação baseada em fluxo de dados pode ampliar a segurança em creches-FINIT.pptx
+++ b/docs/Como uma aplicação baseada em fluxo de dados pode ampliar a segurança em creches-FINIT.pptx
@@ -215,7 +215,7 @@
           <a:p>
             <a:fld id="{136835E2-80E2-468E-B9A6-18F334F37183}" type="datetimeFigureOut">
               <a:rPr lang="en-US" smtClean="0"/>
-              <a:t>10/31/2017</a:t>
+              <a:t>11/1/2017</a:t>
             </a:fld>
             <a:endParaRPr lang="en-US"/>
           </a:p>
@@ -700,7 +700,7 @@
           <a:p>
             <a:fld id="{48A87A34-81AB-432B-8DAE-1953F412C126}" type="datetimeFigureOut">
               <a:rPr lang="en-US" dirty="0"/>
-              <a:t>10/31/2017</a:t>
+              <a:t>11/1/2017</a:t>
             </a:fld>
             <a:endParaRPr lang="en-US" dirty="0"/>
           </a:p>
@@ -982,7 +982,7 @@
           <a:p>
             <a:fld id="{48A87A34-81AB-432B-8DAE-1953F412C126}" type="datetimeFigureOut">
               <a:rPr lang="en-US" dirty="0"/>
-              <a:t>10/31/2017</a:t>
+              <a:t>11/1/2017</a:t>
             </a:fld>
             <a:endParaRPr lang="en-US" dirty="0"/>
           </a:p>
@@ -1169,7 +1169,7 @@
           <a:p>
             <a:fld id="{48A87A34-81AB-432B-8DAE-1953F412C126}" type="datetimeFigureOut">
               <a:rPr lang="en-US" dirty="0"/>
-              <a:t>10/31/2017</a:t>
+              <a:t>11/1/2017</a:t>
             </a:fld>
             <a:endParaRPr lang="en-US" dirty="0"/>
           </a:p>
@@ -1425,7 +1425,7 @@
           <a:p>
             <a:fld id="{48A87A34-81AB-432B-8DAE-1953F412C126}" type="datetimeFigureOut">
               <a:rPr lang="en-US" dirty="0"/>
-              <a:t>10/31/2017</a:t>
+              <a:t>11/1/2017</a:t>
             </a:fld>
             <a:endParaRPr lang="en-US" dirty="0"/>
           </a:p>
@@ -1844,7 +1844,7 @@
           <a:p>
             <a:fld id="{48A87A34-81AB-432B-8DAE-1953F412C126}" type="datetimeFigureOut">
               <a:rPr lang="en-US" dirty="0"/>
-              <a:t>10/31/2017</a:t>
+              <a:t>11/1/2017</a:t>
             </a:fld>
             <a:endParaRPr lang="en-US" dirty="0"/>
           </a:p>
@@ -2385,7 +2385,7 @@
           <a:p>
             <a:fld id="{48A87A34-81AB-432B-8DAE-1953F412C126}" type="datetimeFigureOut">
               <a:rPr lang="en-US" dirty="0"/>
-              <a:t>10/31/2017</a:t>
+              <a:t>11/1/2017</a:t>
             </a:fld>
             <a:endParaRPr lang="en-US" dirty="0"/>
           </a:p>
@@ -3220,7 +3220,7 @@
           <a:p>
             <a:fld id="{48A87A34-81AB-432B-8DAE-1953F412C126}" type="datetimeFigureOut">
               <a:rPr lang="en-US" dirty="0"/>
-              <a:t>10/31/2017</a:t>
+              <a:t>11/1/2017</a:t>
             </a:fld>
             <a:endParaRPr lang="en-US" dirty="0"/>
           </a:p>
@@ -3385,7 +3385,7 @@
           <a:p>
             <a:fld id="{48A87A34-81AB-432B-8DAE-1953F412C126}" type="datetimeFigureOut">
               <a:rPr lang="en-US" dirty="0"/>
-              <a:t>10/31/2017</a:t>
+              <a:t>11/1/2017</a:t>
             </a:fld>
             <a:endParaRPr lang="en-US" dirty="0"/>
           </a:p>
@@ -3564,7 +3564,7 @@
           <a:p>
             <a:fld id="{48A87A34-81AB-432B-8DAE-1953F412C126}" type="datetimeFigureOut">
               <a:rPr lang="en-US" dirty="0"/>
-              <a:t>10/31/2017</a:t>
+              <a:t>11/1/2017</a:t>
             </a:fld>
             <a:endParaRPr lang="en-US" dirty="0"/>
           </a:p>
@@ -3729,7 +3729,7 @@
           <a:p>
             <a:fld id="{48A87A34-81AB-432B-8DAE-1953F412C126}" type="datetimeFigureOut">
               <a:rPr lang="en-US" dirty="0"/>
-              <a:t>10/31/2017</a:t>
+              <a:t>11/1/2017</a:t>
             </a:fld>
             <a:endParaRPr lang="en-US" dirty="0"/>
           </a:p>
@@ -3972,7 +3972,7 @@
           <a:p>
             <a:fld id="{48A87A34-81AB-432B-8DAE-1953F412C126}" type="datetimeFigureOut">
               <a:rPr lang="en-US" dirty="0"/>
-              <a:t>10/31/2017</a:t>
+              <a:t>11/1/2017</a:t>
             </a:fld>
             <a:endParaRPr lang="en-US" dirty="0"/>
           </a:p>
@@ -4204,7 +4204,7 @@
           <a:p>
             <a:fld id="{48A87A34-81AB-432B-8DAE-1953F412C126}" type="datetimeFigureOut">
               <a:rPr lang="en-US" dirty="0"/>
-              <a:t>10/31/2017</a:t>
+              <a:t>11/1/2017</a:t>
             </a:fld>
             <a:endParaRPr lang="en-US" dirty="0"/>
           </a:p>
@@ -4572,7 +4572,7 @@
           <a:p>
             <a:fld id="{48A87A34-81AB-432B-8DAE-1953F412C126}" type="datetimeFigureOut">
               <a:rPr lang="en-US" dirty="0"/>
-              <a:t>10/31/2017</a:t>
+              <a:t>11/1/2017</a:t>
             </a:fld>
             <a:endParaRPr lang="en-US" dirty="0"/>
           </a:p>
@@ -4685,7 +4685,7 @@
           <a:p>
             <a:fld id="{48A87A34-81AB-432B-8DAE-1953F412C126}" type="datetimeFigureOut">
               <a:rPr lang="en-US" dirty="0"/>
-              <a:t>10/31/2017</a:t>
+              <a:t>11/1/2017</a:t>
             </a:fld>
             <a:endParaRPr lang="en-US" dirty="0"/>
           </a:p>
@@ -4775,7 +4775,7 @@
           <a:p>
             <a:fld id="{48A87A34-81AB-432B-8DAE-1953F412C126}" type="datetimeFigureOut">
               <a:rPr lang="en-US" dirty="0"/>
-              <a:t>10/31/2017</a:t>
+              <a:t>11/1/2017</a:t>
             </a:fld>
             <a:endParaRPr lang="en-US" dirty="0"/>
           </a:p>
@@ -5021,7 +5021,7 @@
           <a:p>
             <a:fld id="{48A87A34-81AB-432B-8DAE-1953F412C126}" type="datetimeFigureOut">
               <a:rPr lang="en-US" dirty="0"/>
-              <a:t>10/31/2017</a:t>
+              <a:t>11/1/2017</a:t>
             </a:fld>
             <a:endParaRPr lang="en-US" dirty="0"/>
           </a:p>
@@ -5303,7 +5303,7 @@
           <a:p>
             <a:fld id="{48A87A34-81AB-432B-8DAE-1953F412C126}" type="datetimeFigureOut">
               <a:rPr lang="en-US" dirty="0"/>
-              <a:t>10/31/2017</a:t>
+              <a:t>11/1/2017</a:t>
             </a:fld>
             <a:endParaRPr lang="en-US" dirty="0"/>
           </a:p>
@@ -5517,7 +5517,7 @@
             <a:fld id="{48A87A34-81AB-432B-8DAE-1953F412C126}" type="datetimeFigureOut">
               <a:rPr lang="en-US" dirty="0"/>
               <a:pPr/>
-              <a:t>10/31/2017</a:t>
+              <a:t>11/1/2017</a:t>
             </a:fld>
             <a:endParaRPr lang="en-US" dirty="0"/>
           </a:p>
